--- a/Documentation/Presentation.pptx
+++ b/Documentation/Presentation.pptx
@@ -10,6 +10,10 @@
     <p:sldId id="258" r:id="rId4"/>
     <p:sldId id="259" r:id="rId5"/>
     <p:sldId id="260" r:id="rId6"/>
+    <p:sldId id="261" r:id="rId7"/>
+    <p:sldId id="262" r:id="rId8"/>
+    <p:sldId id="264" r:id="rId9"/>
+    <p:sldId id="263" r:id="rId10"/>
   </p:sldIdLst>
   <p:sldSz cx="12192000" cy="6858000"/>
   <p:notesSz cx="6858000" cy="9144000"/>
@@ -108,6 +112,11 @@
       </a:defRPr>
     </a:lvl9pPr>
   </p:defaultTextStyle>
+  <p:extLst>
+    <p:ext uri="{EFAFB233-063F-42B5-8137-9DF3F51BA10A}">
+      <p15:sldGuideLst xmlns:p15="http://schemas.microsoft.com/office/powerpoint/2012/main"/>
+    </p:ext>
+  </p:extLst>
 </p:presentation>
 </file>
 
@@ -115,8 +124,8 @@
 <pc:chgInfo xmlns:a="http://schemas.openxmlformats.org/drawingml/2006/main" xmlns:r="http://schemas.openxmlformats.org/officeDocument/2006/relationships" xmlns:ac="http://schemas.microsoft.com/office/drawing/2013/main/command" xmlns:pc="http://schemas.microsoft.com/office/powerpoint/2013/main/command">
   <pc:docChgLst>
     <pc:chgData name="Gabriel Lima" userId="32e6e08e9715d430" providerId="LiveId" clId="{22ADD751-BC42-41B3-8DDA-BA9C30A5A6FB}"/>
-    <pc:docChg chg="undo redo custSel addSld modSld">
-      <pc:chgData name="Gabriel Lima" userId="32e6e08e9715d430" providerId="LiveId" clId="{22ADD751-BC42-41B3-8DDA-BA9C30A5A6FB}" dt="2022-11-29T21:34:22.460" v="108" actId="20577"/>
+    <pc:docChg chg="undo redo custSel addSld modSld sldOrd">
+      <pc:chgData name="Gabriel Lima" userId="32e6e08e9715d430" providerId="LiveId" clId="{22ADD751-BC42-41B3-8DDA-BA9C30A5A6FB}" dt="2022-11-29T22:19:00.920" v="123"/>
       <pc:docMkLst>
         <pc:docMk/>
       </pc:docMkLst>
@@ -228,8 +237,8 @@
           </ac:picMkLst>
         </pc:picChg>
       </pc:sldChg>
-      <pc:sldChg chg="modSp new mod">
-        <pc:chgData name="Gabriel Lima" userId="32e6e08e9715d430" providerId="LiveId" clId="{22ADD751-BC42-41B3-8DDA-BA9C30A5A6FB}" dt="2022-11-29T21:34:22.460" v="108" actId="20577"/>
+      <pc:sldChg chg="addSp delSp modSp new mod">
+        <pc:chgData name="Gabriel Lima" userId="32e6e08e9715d430" providerId="LiveId" clId="{22ADD751-BC42-41B3-8DDA-BA9C30A5A6FB}" dt="2022-11-29T22:18:25.424" v="115" actId="931"/>
         <pc:sldMkLst>
           <pc:docMk/>
           <pc:sldMk cId="2002247931" sldId="260"/>
@@ -242,6 +251,138 @@
             <ac:spMk id="2" creationId="{36A701C8-2226-4BC1-B07D-6F6D2C012861}"/>
           </ac:spMkLst>
         </pc:spChg>
+        <pc:spChg chg="del">
+          <ac:chgData name="Gabriel Lima" userId="32e6e08e9715d430" providerId="LiveId" clId="{22ADD751-BC42-41B3-8DDA-BA9C30A5A6FB}" dt="2022-11-29T22:17:58.391" v="109" actId="931"/>
+          <ac:spMkLst>
+            <pc:docMk/>
+            <pc:sldMk cId="2002247931" sldId="260"/>
+            <ac:spMk id="3" creationId="{7BB32902-9F43-4A2A-B23E-69B9FB88C809}"/>
+          </ac:spMkLst>
+        </pc:spChg>
+        <pc:spChg chg="add del mod">
+          <ac:chgData name="Gabriel Lima" userId="32e6e08e9715d430" providerId="LiveId" clId="{22ADD751-BC42-41B3-8DDA-BA9C30A5A6FB}" dt="2022-11-29T22:18:25.424" v="115" actId="931"/>
+          <ac:spMkLst>
+            <pc:docMk/>
+            <pc:sldMk cId="2002247931" sldId="260"/>
+            <ac:spMk id="7" creationId="{74C54113-D148-4EB5-AD08-89DC747C409E}"/>
+          </ac:spMkLst>
+        </pc:spChg>
+        <pc:picChg chg="add del mod">
+          <ac:chgData name="Gabriel Lima" userId="32e6e08e9715d430" providerId="LiveId" clId="{22ADD751-BC42-41B3-8DDA-BA9C30A5A6FB}" dt="2022-11-29T22:18:22.456" v="114" actId="478"/>
+          <ac:picMkLst>
+            <pc:docMk/>
+            <pc:sldMk cId="2002247931" sldId="260"/>
+            <ac:picMk id="5" creationId="{CBD6B28D-C95B-49E5-BBA2-8FE5C0FD023D}"/>
+          </ac:picMkLst>
+        </pc:picChg>
+        <pc:picChg chg="add mod">
+          <ac:chgData name="Gabriel Lima" userId="32e6e08e9715d430" providerId="LiveId" clId="{22ADD751-BC42-41B3-8DDA-BA9C30A5A6FB}" dt="2022-11-29T22:18:25.424" v="115" actId="931"/>
+          <ac:picMkLst>
+            <pc:docMk/>
+            <pc:sldMk cId="2002247931" sldId="260"/>
+            <ac:picMk id="9" creationId="{3A72EC9C-8DD5-4C67-AF96-FCCBB563DBE9}"/>
+          </ac:picMkLst>
+        </pc:picChg>
+      </pc:sldChg>
+      <pc:sldChg chg="addSp delSp modSp add mod">
+        <pc:chgData name="Gabriel Lima" userId="32e6e08e9715d430" providerId="LiveId" clId="{22ADD751-BC42-41B3-8DDA-BA9C30A5A6FB}" dt="2022-11-29T22:18:35.087" v="117" actId="931"/>
+        <pc:sldMkLst>
+          <pc:docMk/>
+          <pc:sldMk cId="4252385422" sldId="261"/>
+        </pc:sldMkLst>
+        <pc:spChg chg="add del mod">
+          <ac:chgData name="Gabriel Lima" userId="32e6e08e9715d430" providerId="LiveId" clId="{22ADD751-BC42-41B3-8DDA-BA9C30A5A6FB}" dt="2022-11-29T22:18:35.087" v="117" actId="931"/>
+          <ac:spMkLst>
+            <pc:docMk/>
+            <pc:sldMk cId="4252385422" sldId="261"/>
+            <ac:spMk id="4" creationId="{F103E540-38C0-47A8-BF2D-44A9FB310A29}"/>
+          </ac:spMkLst>
+        </pc:spChg>
+        <pc:picChg chg="del">
+          <ac:chgData name="Gabriel Lima" userId="32e6e08e9715d430" providerId="LiveId" clId="{22ADD751-BC42-41B3-8DDA-BA9C30A5A6FB}" dt="2022-11-29T22:18:29.345" v="116" actId="478"/>
+          <ac:picMkLst>
+            <pc:docMk/>
+            <pc:sldMk cId="4252385422" sldId="261"/>
+            <ac:picMk id="5" creationId="{CBD6B28D-C95B-49E5-BBA2-8FE5C0FD023D}"/>
+          </ac:picMkLst>
+        </pc:picChg>
+        <pc:picChg chg="add mod">
+          <ac:chgData name="Gabriel Lima" userId="32e6e08e9715d430" providerId="LiveId" clId="{22ADD751-BC42-41B3-8DDA-BA9C30A5A6FB}" dt="2022-11-29T22:18:35.087" v="117" actId="931"/>
+          <ac:picMkLst>
+            <pc:docMk/>
+            <pc:sldMk cId="4252385422" sldId="261"/>
+            <ac:picMk id="7" creationId="{9CC968E1-E434-48F3-A26D-FF27363EB03A}"/>
+          </ac:picMkLst>
+        </pc:picChg>
+      </pc:sldChg>
+      <pc:sldChg chg="add">
+        <pc:chgData name="Gabriel Lima" userId="32e6e08e9715d430" providerId="LiveId" clId="{22ADD751-BC42-41B3-8DDA-BA9C30A5A6FB}" dt="2022-11-29T22:18:10.628" v="111" actId="2890"/>
+        <pc:sldMkLst>
+          <pc:docMk/>
+          <pc:sldMk cId="3346381417" sldId="262"/>
+        </pc:sldMkLst>
+      </pc:sldChg>
+      <pc:sldChg chg="addSp delSp modSp add mod ord">
+        <pc:chgData name="Gabriel Lima" userId="32e6e08e9715d430" providerId="LiveId" clId="{22ADD751-BC42-41B3-8DDA-BA9C30A5A6FB}" dt="2022-11-29T22:19:00.920" v="123"/>
+        <pc:sldMkLst>
+          <pc:docMk/>
+          <pc:sldMk cId="3298095118" sldId="263"/>
+        </pc:sldMkLst>
+        <pc:spChg chg="add del mod">
+          <ac:chgData name="Gabriel Lima" userId="32e6e08e9715d430" providerId="LiveId" clId="{22ADD751-BC42-41B3-8DDA-BA9C30A5A6FB}" dt="2022-11-29T22:18:42.118" v="119" actId="931"/>
+          <ac:spMkLst>
+            <pc:docMk/>
+            <pc:sldMk cId="3298095118" sldId="263"/>
+            <ac:spMk id="4" creationId="{E0EEC489-0738-44C8-9EC1-0989E6003E5A}"/>
+          </ac:spMkLst>
+        </pc:spChg>
+        <pc:picChg chg="del">
+          <ac:chgData name="Gabriel Lima" userId="32e6e08e9715d430" providerId="LiveId" clId="{22ADD751-BC42-41B3-8DDA-BA9C30A5A6FB}" dt="2022-11-29T22:18:39.088" v="118" actId="478"/>
+          <ac:picMkLst>
+            <pc:docMk/>
+            <pc:sldMk cId="3298095118" sldId="263"/>
+            <ac:picMk id="5" creationId="{CBD6B28D-C95B-49E5-BBA2-8FE5C0FD023D}"/>
+          </ac:picMkLst>
+        </pc:picChg>
+        <pc:picChg chg="add mod">
+          <ac:chgData name="Gabriel Lima" userId="32e6e08e9715d430" providerId="LiveId" clId="{22ADD751-BC42-41B3-8DDA-BA9C30A5A6FB}" dt="2022-11-29T22:18:42.118" v="119" actId="931"/>
+          <ac:picMkLst>
+            <pc:docMk/>
+            <pc:sldMk cId="3298095118" sldId="263"/>
+            <ac:picMk id="7" creationId="{9DA0FE2F-284F-4A79-A2AF-646E077AC2DD}"/>
+          </ac:picMkLst>
+        </pc:picChg>
+      </pc:sldChg>
+      <pc:sldChg chg="addSp delSp modSp add mod">
+        <pc:chgData name="Gabriel Lima" userId="32e6e08e9715d430" providerId="LiveId" clId="{22ADD751-BC42-41B3-8DDA-BA9C30A5A6FB}" dt="2022-11-29T22:18:47.043" v="121" actId="931"/>
+        <pc:sldMkLst>
+          <pc:docMk/>
+          <pc:sldMk cId="1009923372" sldId="264"/>
+        </pc:sldMkLst>
+        <pc:spChg chg="add del mod">
+          <ac:chgData name="Gabriel Lima" userId="32e6e08e9715d430" providerId="LiveId" clId="{22ADD751-BC42-41B3-8DDA-BA9C30A5A6FB}" dt="2022-11-29T22:18:47.043" v="121" actId="931"/>
+          <ac:spMkLst>
+            <pc:docMk/>
+            <pc:sldMk cId="1009923372" sldId="264"/>
+            <ac:spMk id="4" creationId="{7EA9CBC8-C183-4E88-8192-E7FD1F139605}"/>
+          </ac:spMkLst>
+        </pc:spChg>
+        <pc:picChg chg="del">
+          <ac:chgData name="Gabriel Lima" userId="32e6e08e9715d430" providerId="LiveId" clId="{22ADD751-BC42-41B3-8DDA-BA9C30A5A6FB}" dt="2022-11-29T22:18:45.145" v="120" actId="478"/>
+          <ac:picMkLst>
+            <pc:docMk/>
+            <pc:sldMk cId="1009923372" sldId="264"/>
+            <ac:picMk id="5" creationId="{CBD6B28D-C95B-49E5-BBA2-8FE5C0FD023D}"/>
+          </ac:picMkLst>
+        </pc:picChg>
+        <pc:picChg chg="add mod">
+          <ac:chgData name="Gabriel Lima" userId="32e6e08e9715d430" providerId="LiveId" clId="{22ADD751-BC42-41B3-8DDA-BA9C30A5A6FB}" dt="2022-11-29T22:18:47.043" v="121" actId="931"/>
+          <ac:picMkLst>
+            <pc:docMk/>
+            <pc:sldMk cId="1009923372" sldId="264"/>
+            <ac:picMk id="7" creationId="{D9D0494B-99C1-4B8A-A8DF-56A42159588B}"/>
+          </ac:picMkLst>
+        </pc:picChg>
       </pc:sldChg>
     </pc:docChg>
   </pc:docChgLst>
@@ -3862,35 +4003,417 @@
           </a:p>
         </p:txBody>
       </p:sp>
-      <p:sp>
-        <p:nvSpPr>
-          <p:cNvPr id="3" name="Content Placeholder 2">
-            <a:extLst>
-              <a:ext uri="{FF2B5EF4-FFF2-40B4-BE49-F238E27FC236}">
-                <a16:creationId xmlns:a16="http://schemas.microsoft.com/office/drawing/2014/main" id="{7BB32902-9F43-4A2A-B23E-69B9FB88C809}"/>
-              </a:ext>
-            </a:extLst>
-          </p:cNvPr>
-          <p:cNvSpPr>
-            <a:spLocks noGrp="1"/>
-          </p:cNvSpPr>
+      <p:pic>
+        <p:nvPicPr>
+          <p:cNvPr id="9" name="Content Placeholder 8">
+            <a:extLst>
+              <a:ext uri="{FF2B5EF4-FFF2-40B4-BE49-F238E27FC236}">
+                <a16:creationId xmlns:a16="http://schemas.microsoft.com/office/drawing/2014/main" id="{3A72EC9C-8DD5-4C67-AF96-FCCBB563DBE9}"/>
+              </a:ext>
+            </a:extLst>
+          </p:cNvPr>
+          <p:cNvPicPr>
+            <a:picLocks noGrp="1" noChangeAspect="1"/>
+          </p:cNvPicPr>
           <p:nvPr>
             <p:ph idx="1"/>
           </p:nvPr>
-        </p:nvSpPr>
-        <p:spPr/>
-        <p:txBody>
-          <a:bodyPr/>
-          <a:lstStyle/>
-          <a:p>
-            <a:endParaRPr lang="en-US"/>
-          </a:p>
-        </p:txBody>
-      </p:sp>
+        </p:nvPicPr>
+        <p:blipFill>
+          <a:blip r:embed="rId2">
+            <a:extLst>
+              <a:ext uri="{28A0092B-C50C-407E-A947-70E740481C1C}">
+                <a14:useLocalDpi xmlns:a14="http://schemas.microsoft.com/office/drawing/2010/main" val="0"/>
+              </a:ext>
+            </a:extLst>
+          </a:blip>
+          <a:stretch>
+            <a:fillRect/>
+          </a:stretch>
+        </p:blipFill>
+        <p:spPr>
+          <a:xfrm>
+            <a:off x="1821238" y="1825625"/>
+            <a:ext cx="8549523" cy="4351338"/>
+          </a:xfrm>
+        </p:spPr>
+      </p:pic>
     </p:spTree>
     <p:extLst>
       <p:ext uri="{BB962C8B-B14F-4D97-AF65-F5344CB8AC3E}">
         <p14:creationId xmlns:p14="http://schemas.microsoft.com/office/powerpoint/2010/main" val="2002247931"/>
+      </p:ext>
+    </p:extLst>
+  </p:cSld>
+  <p:clrMapOvr>
+    <a:masterClrMapping/>
+  </p:clrMapOvr>
+</p:sld>
+</file>
+
+<file path=ppt/slides/slide6.xml><?xml version="1.0" encoding="utf-8"?>
+<p:sld xmlns:a="http://schemas.openxmlformats.org/drawingml/2006/main" xmlns:r="http://schemas.openxmlformats.org/officeDocument/2006/relationships" xmlns:p="http://schemas.openxmlformats.org/presentationml/2006/main">
+  <p:cSld>
+    <p:spTree>
+      <p:nvGrpSpPr>
+        <p:cNvPr id="1" name=""/>
+        <p:cNvGrpSpPr/>
+        <p:nvPr/>
+      </p:nvGrpSpPr>
+      <p:grpSpPr>
+        <a:xfrm>
+          <a:off x="0" y="0"/>
+          <a:ext cx="0" cy="0"/>
+          <a:chOff x="0" y="0"/>
+          <a:chExt cx="0" cy="0"/>
+        </a:xfrm>
+      </p:grpSpPr>
+      <p:sp>
+        <p:nvSpPr>
+          <p:cNvPr id="2" name="Title 1">
+            <a:extLst>
+              <a:ext uri="{FF2B5EF4-FFF2-40B4-BE49-F238E27FC236}">
+                <a16:creationId xmlns:a16="http://schemas.microsoft.com/office/drawing/2014/main" id="{36A701C8-2226-4BC1-B07D-6F6D2C012861}"/>
+              </a:ext>
+            </a:extLst>
+          </p:cNvPr>
+          <p:cNvSpPr>
+            <a:spLocks noGrp="1"/>
+          </p:cNvSpPr>
+          <p:nvPr>
+            <p:ph type="title"/>
+          </p:nvPr>
+        </p:nvSpPr>
+        <p:spPr/>
+        <p:txBody>
+          <a:bodyPr/>
+          <a:lstStyle/>
+          <a:p>
+            <a:r>
+              <a:rPr lang="en-US" dirty="0"/>
+              <a:t>Commander graphical interface</a:t>
+            </a:r>
+          </a:p>
+        </p:txBody>
+      </p:sp>
+      <p:pic>
+        <p:nvPicPr>
+          <p:cNvPr id="7" name="Content Placeholder 6">
+            <a:extLst>
+              <a:ext uri="{FF2B5EF4-FFF2-40B4-BE49-F238E27FC236}">
+                <a16:creationId xmlns:a16="http://schemas.microsoft.com/office/drawing/2014/main" id="{9CC968E1-E434-48F3-A26D-FF27363EB03A}"/>
+              </a:ext>
+            </a:extLst>
+          </p:cNvPr>
+          <p:cNvPicPr>
+            <a:picLocks noGrp="1" noChangeAspect="1"/>
+          </p:cNvPicPr>
+          <p:nvPr>
+            <p:ph idx="1"/>
+          </p:nvPr>
+        </p:nvPicPr>
+        <p:blipFill>
+          <a:blip r:embed="rId2">
+            <a:extLst>
+              <a:ext uri="{28A0092B-C50C-407E-A947-70E740481C1C}">
+                <a14:useLocalDpi xmlns:a14="http://schemas.microsoft.com/office/drawing/2010/main" val="0"/>
+              </a:ext>
+            </a:extLst>
+          </a:blip>
+          <a:stretch>
+            <a:fillRect/>
+          </a:stretch>
+        </p:blipFill>
+        <p:spPr>
+          <a:xfrm>
+            <a:off x="1805662" y="1825625"/>
+            <a:ext cx="8580676" cy="4351338"/>
+          </a:xfrm>
+        </p:spPr>
+      </p:pic>
+    </p:spTree>
+    <p:extLst>
+      <p:ext uri="{BB962C8B-B14F-4D97-AF65-F5344CB8AC3E}">
+        <p14:creationId xmlns:p14="http://schemas.microsoft.com/office/powerpoint/2010/main" val="4252385422"/>
+      </p:ext>
+    </p:extLst>
+  </p:cSld>
+  <p:clrMapOvr>
+    <a:masterClrMapping/>
+  </p:clrMapOvr>
+</p:sld>
+</file>
+
+<file path=ppt/slides/slide7.xml><?xml version="1.0" encoding="utf-8"?>
+<p:sld xmlns:a="http://schemas.openxmlformats.org/drawingml/2006/main" xmlns:r="http://schemas.openxmlformats.org/officeDocument/2006/relationships" xmlns:p="http://schemas.openxmlformats.org/presentationml/2006/main">
+  <p:cSld>
+    <p:spTree>
+      <p:nvGrpSpPr>
+        <p:cNvPr id="1" name=""/>
+        <p:cNvGrpSpPr/>
+        <p:nvPr/>
+      </p:nvGrpSpPr>
+      <p:grpSpPr>
+        <a:xfrm>
+          <a:off x="0" y="0"/>
+          <a:ext cx="0" cy="0"/>
+          <a:chOff x="0" y="0"/>
+          <a:chExt cx="0" cy="0"/>
+        </a:xfrm>
+      </p:grpSpPr>
+      <p:sp>
+        <p:nvSpPr>
+          <p:cNvPr id="2" name="Title 1">
+            <a:extLst>
+              <a:ext uri="{FF2B5EF4-FFF2-40B4-BE49-F238E27FC236}">
+                <a16:creationId xmlns:a16="http://schemas.microsoft.com/office/drawing/2014/main" id="{36A701C8-2226-4BC1-B07D-6F6D2C012861}"/>
+              </a:ext>
+            </a:extLst>
+          </p:cNvPr>
+          <p:cNvSpPr>
+            <a:spLocks noGrp="1"/>
+          </p:cNvSpPr>
+          <p:nvPr>
+            <p:ph type="title"/>
+          </p:nvPr>
+        </p:nvSpPr>
+        <p:spPr/>
+        <p:txBody>
+          <a:bodyPr/>
+          <a:lstStyle/>
+          <a:p>
+            <a:r>
+              <a:rPr lang="en-US" dirty="0"/>
+              <a:t>Commander graphical interface</a:t>
+            </a:r>
+          </a:p>
+        </p:txBody>
+      </p:sp>
+      <p:pic>
+        <p:nvPicPr>
+          <p:cNvPr id="5" name="Content Placeholder 4">
+            <a:extLst>
+              <a:ext uri="{FF2B5EF4-FFF2-40B4-BE49-F238E27FC236}">
+                <a16:creationId xmlns:a16="http://schemas.microsoft.com/office/drawing/2014/main" id="{CBD6B28D-C95B-49E5-BBA2-8FE5C0FD023D}"/>
+              </a:ext>
+            </a:extLst>
+          </p:cNvPr>
+          <p:cNvPicPr>
+            <a:picLocks noGrp="1" noChangeAspect="1"/>
+          </p:cNvPicPr>
+          <p:nvPr>
+            <p:ph idx="1"/>
+          </p:nvPr>
+        </p:nvPicPr>
+        <p:blipFill>
+          <a:blip r:embed="rId2">
+            <a:extLst>
+              <a:ext uri="{28A0092B-C50C-407E-A947-70E740481C1C}">
+                <a14:useLocalDpi xmlns:a14="http://schemas.microsoft.com/office/drawing/2010/main" val="0"/>
+              </a:ext>
+            </a:extLst>
+          </a:blip>
+          <a:stretch>
+            <a:fillRect/>
+          </a:stretch>
+        </p:blipFill>
+        <p:spPr>
+          <a:xfrm>
+            <a:off x="1821397" y="1825625"/>
+            <a:ext cx="8549205" cy="4351338"/>
+          </a:xfrm>
+        </p:spPr>
+      </p:pic>
+    </p:spTree>
+    <p:extLst>
+      <p:ext uri="{BB962C8B-B14F-4D97-AF65-F5344CB8AC3E}">
+        <p14:creationId xmlns:p14="http://schemas.microsoft.com/office/powerpoint/2010/main" val="3346381417"/>
+      </p:ext>
+    </p:extLst>
+  </p:cSld>
+  <p:clrMapOvr>
+    <a:masterClrMapping/>
+  </p:clrMapOvr>
+</p:sld>
+</file>
+
+<file path=ppt/slides/slide8.xml><?xml version="1.0" encoding="utf-8"?>
+<p:sld xmlns:a="http://schemas.openxmlformats.org/drawingml/2006/main" xmlns:r="http://schemas.openxmlformats.org/officeDocument/2006/relationships" xmlns:p="http://schemas.openxmlformats.org/presentationml/2006/main">
+  <p:cSld>
+    <p:spTree>
+      <p:nvGrpSpPr>
+        <p:cNvPr id="1" name=""/>
+        <p:cNvGrpSpPr/>
+        <p:nvPr/>
+      </p:nvGrpSpPr>
+      <p:grpSpPr>
+        <a:xfrm>
+          <a:off x="0" y="0"/>
+          <a:ext cx="0" cy="0"/>
+          <a:chOff x="0" y="0"/>
+          <a:chExt cx="0" cy="0"/>
+        </a:xfrm>
+      </p:grpSpPr>
+      <p:sp>
+        <p:nvSpPr>
+          <p:cNvPr id="2" name="Title 1">
+            <a:extLst>
+              <a:ext uri="{FF2B5EF4-FFF2-40B4-BE49-F238E27FC236}">
+                <a16:creationId xmlns:a16="http://schemas.microsoft.com/office/drawing/2014/main" id="{36A701C8-2226-4BC1-B07D-6F6D2C012861}"/>
+              </a:ext>
+            </a:extLst>
+          </p:cNvPr>
+          <p:cNvSpPr>
+            <a:spLocks noGrp="1"/>
+          </p:cNvSpPr>
+          <p:nvPr>
+            <p:ph type="title"/>
+          </p:nvPr>
+        </p:nvSpPr>
+        <p:spPr/>
+        <p:txBody>
+          <a:bodyPr/>
+          <a:lstStyle/>
+          <a:p>
+            <a:r>
+              <a:rPr lang="en-US" dirty="0"/>
+              <a:t>Commander graphical interface</a:t>
+            </a:r>
+          </a:p>
+        </p:txBody>
+      </p:sp>
+      <p:pic>
+        <p:nvPicPr>
+          <p:cNvPr id="7" name="Content Placeholder 6">
+            <a:extLst>
+              <a:ext uri="{FF2B5EF4-FFF2-40B4-BE49-F238E27FC236}">
+                <a16:creationId xmlns:a16="http://schemas.microsoft.com/office/drawing/2014/main" id="{D9D0494B-99C1-4B8A-A8DF-56A42159588B}"/>
+              </a:ext>
+            </a:extLst>
+          </p:cNvPr>
+          <p:cNvPicPr>
+            <a:picLocks noGrp="1" noChangeAspect="1"/>
+          </p:cNvPicPr>
+          <p:nvPr>
+            <p:ph idx="1"/>
+          </p:nvPr>
+        </p:nvPicPr>
+        <p:blipFill>
+          <a:blip r:embed="rId2">
+            <a:extLst>
+              <a:ext uri="{28A0092B-C50C-407E-A947-70E740481C1C}">
+                <a14:useLocalDpi xmlns:a14="http://schemas.microsoft.com/office/drawing/2010/main" val="0"/>
+              </a:ext>
+            </a:extLst>
+          </a:blip>
+          <a:stretch>
+            <a:fillRect/>
+          </a:stretch>
+        </p:blipFill>
+        <p:spPr>
+          <a:xfrm>
+            <a:off x="1805852" y="1825625"/>
+            <a:ext cx="8580295" cy="4351338"/>
+          </a:xfrm>
+        </p:spPr>
+      </p:pic>
+    </p:spTree>
+    <p:extLst>
+      <p:ext uri="{BB962C8B-B14F-4D97-AF65-F5344CB8AC3E}">
+        <p14:creationId xmlns:p14="http://schemas.microsoft.com/office/powerpoint/2010/main" val="1009923372"/>
+      </p:ext>
+    </p:extLst>
+  </p:cSld>
+  <p:clrMapOvr>
+    <a:masterClrMapping/>
+  </p:clrMapOvr>
+</p:sld>
+</file>
+
+<file path=ppt/slides/slide9.xml><?xml version="1.0" encoding="utf-8"?>
+<p:sld xmlns:a="http://schemas.openxmlformats.org/drawingml/2006/main" xmlns:r="http://schemas.openxmlformats.org/officeDocument/2006/relationships" xmlns:p="http://schemas.openxmlformats.org/presentationml/2006/main">
+  <p:cSld>
+    <p:spTree>
+      <p:nvGrpSpPr>
+        <p:cNvPr id="1" name=""/>
+        <p:cNvGrpSpPr/>
+        <p:nvPr/>
+      </p:nvGrpSpPr>
+      <p:grpSpPr>
+        <a:xfrm>
+          <a:off x="0" y="0"/>
+          <a:ext cx="0" cy="0"/>
+          <a:chOff x="0" y="0"/>
+          <a:chExt cx="0" cy="0"/>
+        </a:xfrm>
+      </p:grpSpPr>
+      <p:sp>
+        <p:nvSpPr>
+          <p:cNvPr id="2" name="Title 1">
+            <a:extLst>
+              <a:ext uri="{FF2B5EF4-FFF2-40B4-BE49-F238E27FC236}">
+                <a16:creationId xmlns:a16="http://schemas.microsoft.com/office/drawing/2014/main" id="{36A701C8-2226-4BC1-B07D-6F6D2C012861}"/>
+              </a:ext>
+            </a:extLst>
+          </p:cNvPr>
+          <p:cNvSpPr>
+            <a:spLocks noGrp="1"/>
+          </p:cNvSpPr>
+          <p:nvPr>
+            <p:ph type="title"/>
+          </p:nvPr>
+        </p:nvSpPr>
+        <p:spPr/>
+        <p:txBody>
+          <a:bodyPr/>
+          <a:lstStyle/>
+          <a:p>
+            <a:r>
+              <a:rPr lang="en-US" dirty="0"/>
+              <a:t>Commander graphical interface</a:t>
+            </a:r>
+          </a:p>
+        </p:txBody>
+      </p:sp>
+      <p:pic>
+        <p:nvPicPr>
+          <p:cNvPr id="7" name="Content Placeholder 6">
+            <a:extLst>
+              <a:ext uri="{FF2B5EF4-FFF2-40B4-BE49-F238E27FC236}">
+                <a16:creationId xmlns:a16="http://schemas.microsoft.com/office/drawing/2014/main" id="{9DA0FE2F-284F-4A79-A2AF-646E077AC2DD}"/>
+              </a:ext>
+            </a:extLst>
+          </p:cNvPr>
+          <p:cNvPicPr>
+            <a:picLocks noGrp="1" noChangeAspect="1"/>
+          </p:cNvPicPr>
+          <p:nvPr>
+            <p:ph idx="1"/>
+          </p:nvPr>
+        </p:nvPicPr>
+        <p:blipFill>
+          <a:blip r:embed="rId2">
+            <a:extLst>
+              <a:ext uri="{28A0092B-C50C-407E-A947-70E740481C1C}">
+                <a14:useLocalDpi xmlns:a14="http://schemas.microsoft.com/office/drawing/2010/main" val="0"/>
+              </a:ext>
+            </a:extLst>
+          </a:blip>
+          <a:stretch>
+            <a:fillRect/>
+          </a:stretch>
+        </p:blipFill>
+        <p:spPr>
+          <a:xfrm>
+            <a:off x="1823736" y="1825625"/>
+            <a:ext cx="8544527" cy="4351338"/>
+          </a:xfrm>
+        </p:spPr>
+      </p:pic>
+    </p:spTree>
+    <p:extLst>
+      <p:ext uri="{BB962C8B-B14F-4D97-AF65-F5344CB8AC3E}">
+        <p14:creationId xmlns:p14="http://schemas.microsoft.com/office/powerpoint/2010/main" val="3298095118"/>
       </p:ext>
     </p:extLst>
   </p:cSld>
